--- a/ppt 16-9/1310.神所要的是什.pptx
+++ b/ppt 16-9/1310.神所要的是什.pptx
@@ -129,7 +129,7 @@
           <p:cNvPr id="2" name="标题 1">
             <a:extLst>
               <a:ext uri="{FF2B5EF4-FFF2-40B4-BE49-F238E27FC236}">
-                <a16:creationId xmlns:a16="http://schemas.microsoft.com/office/drawing/2014/main" id="{61232E91-98CF-9370-2466-76F3AB1A7CB7}"/>
+                <a16:creationId xmlns:a16="http://schemas.microsoft.com/office/drawing/2014/main" id="{E49A0BB1-5915-113B-6CA2-48FD8FFA5B24}"/>
               </a:ext>
             </a:extLst>
           </p:cNvPr>
@@ -166,7 +166,7 @@
           <p:cNvPr id="3" name="副标题 2">
             <a:extLst>
               <a:ext uri="{FF2B5EF4-FFF2-40B4-BE49-F238E27FC236}">
-                <a16:creationId xmlns:a16="http://schemas.microsoft.com/office/drawing/2014/main" id="{85A1B221-2C72-73FC-81E8-F8B4F4FFFDB3}"/>
+                <a16:creationId xmlns:a16="http://schemas.microsoft.com/office/drawing/2014/main" id="{F8AB073A-DFC1-61FD-C68A-FE83E5748B1A}"/>
               </a:ext>
             </a:extLst>
           </p:cNvPr>
@@ -236,7 +236,7 @@
           <p:cNvPr id="4" name="日期占位符 3">
             <a:extLst>
               <a:ext uri="{FF2B5EF4-FFF2-40B4-BE49-F238E27FC236}">
-                <a16:creationId xmlns:a16="http://schemas.microsoft.com/office/drawing/2014/main" id="{6E01E3DC-C6B9-BAF4-32DF-54A44F7EE065}"/>
+                <a16:creationId xmlns:a16="http://schemas.microsoft.com/office/drawing/2014/main" id="{29C9D463-C813-DFBB-84BD-667DAB05C2A9}"/>
               </a:ext>
             </a:extLst>
           </p:cNvPr>
@@ -252,7 +252,7 @@
           <a:bodyPr/>
           <a:lstStyle/>
           <a:p>
-            <a:fld id="{FDEAFDDA-5C8F-4333-9C70-7B93AE2917FA}" type="datetimeFigureOut">
+            <a:fld id="{68317E03-F78B-457C-BFC9-92977FC20F5F}" type="datetimeFigureOut">
               <a:rPr lang="zh-CN" altLang="en-US" smtClean="0"/>
               <a:t>2024/3/10</a:t>
             </a:fld>
@@ -265,7 +265,7 @@
           <p:cNvPr id="5" name="页脚占位符 4">
             <a:extLst>
               <a:ext uri="{FF2B5EF4-FFF2-40B4-BE49-F238E27FC236}">
-                <a16:creationId xmlns:a16="http://schemas.microsoft.com/office/drawing/2014/main" id="{41C73524-6CD5-25D4-C022-861F1A7B5E7D}"/>
+                <a16:creationId xmlns:a16="http://schemas.microsoft.com/office/drawing/2014/main" id="{9B119C4B-6E77-DDA7-2F19-48D540F21E3E}"/>
               </a:ext>
             </a:extLst>
           </p:cNvPr>
@@ -290,7 +290,7 @@
           <p:cNvPr id="6" name="灯片编号占位符 5">
             <a:extLst>
               <a:ext uri="{FF2B5EF4-FFF2-40B4-BE49-F238E27FC236}">
-                <a16:creationId xmlns:a16="http://schemas.microsoft.com/office/drawing/2014/main" id="{0CB993E6-B136-5584-B824-3C3E037A63FE}"/>
+                <a16:creationId xmlns:a16="http://schemas.microsoft.com/office/drawing/2014/main" id="{0B305C02-823B-EB9F-358C-0E45D67B3D7F}"/>
               </a:ext>
             </a:extLst>
           </p:cNvPr>
@@ -306,7 +306,7 @@
           <a:bodyPr/>
           <a:lstStyle/>
           <a:p>
-            <a:fld id="{BE1D4F38-828E-4C6F-B23A-4AEC0804BC57}" type="slidenum">
+            <a:fld id="{6879EB1D-E8EE-4D94-AA10-1951781792A6}" type="slidenum">
               <a:rPr lang="zh-CN" altLang="en-US" smtClean="0"/>
               <a:t>‹#›</a:t>
             </a:fld>
@@ -317,7 +317,7 @@
     </p:spTree>
     <p:extLst>
       <p:ext uri="{BB962C8B-B14F-4D97-AF65-F5344CB8AC3E}">
-        <p14:creationId xmlns:p14="http://schemas.microsoft.com/office/powerpoint/2010/main" val="3337305136"/>
+        <p14:creationId xmlns:p14="http://schemas.microsoft.com/office/powerpoint/2010/main" val="1398278451"/>
       </p:ext>
     </p:extLst>
   </p:cSld>
@@ -349,7 +349,7 @@
           <p:cNvPr id="2" name="标题 1">
             <a:extLst>
               <a:ext uri="{FF2B5EF4-FFF2-40B4-BE49-F238E27FC236}">
-                <a16:creationId xmlns:a16="http://schemas.microsoft.com/office/drawing/2014/main" id="{C072BF9C-3960-C15A-5DCA-533B1EDF22E5}"/>
+                <a16:creationId xmlns:a16="http://schemas.microsoft.com/office/drawing/2014/main" id="{3DFFD040-3CD0-7FAA-F219-B39F22197586}"/>
               </a:ext>
             </a:extLst>
           </p:cNvPr>
@@ -377,7 +377,7 @@
           <p:cNvPr id="3" name="竖排文字占位符 2">
             <a:extLst>
               <a:ext uri="{FF2B5EF4-FFF2-40B4-BE49-F238E27FC236}">
-                <a16:creationId xmlns:a16="http://schemas.microsoft.com/office/drawing/2014/main" id="{E6B260A5-01F9-BAF6-6F56-FAF662C04C61}"/>
+                <a16:creationId xmlns:a16="http://schemas.microsoft.com/office/drawing/2014/main" id="{8999D1D3-DD59-C239-7710-3FCBEF6E51AF}"/>
               </a:ext>
             </a:extLst>
           </p:cNvPr>
@@ -434,7 +434,7 @@
           <p:cNvPr id="4" name="日期占位符 3">
             <a:extLst>
               <a:ext uri="{FF2B5EF4-FFF2-40B4-BE49-F238E27FC236}">
-                <a16:creationId xmlns:a16="http://schemas.microsoft.com/office/drawing/2014/main" id="{B432013B-B7F0-3DC0-EE74-522E8806A49E}"/>
+                <a16:creationId xmlns:a16="http://schemas.microsoft.com/office/drawing/2014/main" id="{8FF201E7-4163-08E5-48FA-9BBDAC3BB3C4}"/>
               </a:ext>
             </a:extLst>
           </p:cNvPr>
@@ -450,7 +450,7 @@
           <a:bodyPr/>
           <a:lstStyle/>
           <a:p>
-            <a:fld id="{FDEAFDDA-5C8F-4333-9C70-7B93AE2917FA}" type="datetimeFigureOut">
+            <a:fld id="{68317E03-F78B-457C-BFC9-92977FC20F5F}" type="datetimeFigureOut">
               <a:rPr lang="zh-CN" altLang="en-US" smtClean="0"/>
               <a:t>2024/3/10</a:t>
             </a:fld>
@@ -463,7 +463,7 @@
           <p:cNvPr id="5" name="页脚占位符 4">
             <a:extLst>
               <a:ext uri="{FF2B5EF4-FFF2-40B4-BE49-F238E27FC236}">
-                <a16:creationId xmlns:a16="http://schemas.microsoft.com/office/drawing/2014/main" id="{217F5DC8-9983-D739-2610-B4F2B7821144}"/>
+                <a16:creationId xmlns:a16="http://schemas.microsoft.com/office/drawing/2014/main" id="{51CB1F32-A882-4D86-3A09-5E7595450B5E}"/>
               </a:ext>
             </a:extLst>
           </p:cNvPr>
@@ -488,7 +488,7 @@
           <p:cNvPr id="6" name="灯片编号占位符 5">
             <a:extLst>
               <a:ext uri="{FF2B5EF4-FFF2-40B4-BE49-F238E27FC236}">
-                <a16:creationId xmlns:a16="http://schemas.microsoft.com/office/drawing/2014/main" id="{18FF4A68-33DE-C247-F7B4-48A8B844AD96}"/>
+                <a16:creationId xmlns:a16="http://schemas.microsoft.com/office/drawing/2014/main" id="{0578C797-EF15-BAFB-83E5-90B71D8EBE9F}"/>
               </a:ext>
             </a:extLst>
           </p:cNvPr>
@@ -504,7 +504,7 @@
           <a:bodyPr/>
           <a:lstStyle/>
           <a:p>
-            <a:fld id="{BE1D4F38-828E-4C6F-B23A-4AEC0804BC57}" type="slidenum">
+            <a:fld id="{6879EB1D-E8EE-4D94-AA10-1951781792A6}" type="slidenum">
               <a:rPr lang="zh-CN" altLang="en-US" smtClean="0"/>
               <a:t>‹#›</a:t>
             </a:fld>
@@ -515,7 +515,7 @@
     </p:spTree>
     <p:extLst>
       <p:ext uri="{BB962C8B-B14F-4D97-AF65-F5344CB8AC3E}">
-        <p14:creationId xmlns:p14="http://schemas.microsoft.com/office/powerpoint/2010/main" val="1696799530"/>
+        <p14:creationId xmlns:p14="http://schemas.microsoft.com/office/powerpoint/2010/main" val="743005737"/>
       </p:ext>
     </p:extLst>
   </p:cSld>
@@ -547,7 +547,7 @@
           <p:cNvPr id="2" name="竖排标题 1">
             <a:extLst>
               <a:ext uri="{FF2B5EF4-FFF2-40B4-BE49-F238E27FC236}">
-                <a16:creationId xmlns:a16="http://schemas.microsoft.com/office/drawing/2014/main" id="{441573D0-06AB-E6BB-199D-E92680C0694B}"/>
+                <a16:creationId xmlns:a16="http://schemas.microsoft.com/office/drawing/2014/main" id="{22C8B6DD-7B9A-B79F-EAAF-31D7E727446C}"/>
               </a:ext>
             </a:extLst>
           </p:cNvPr>
@@ -580,7 +580,7 @@
           <p:cNvPr id="3" name="竖排文字占位符 2">
             <a:extLst>
               <a:ext uri="{FF2B5EF4-FFF2-40B4-BE49-F238E27FC236}">
-                <a16:creationId xmlns:a16="http://schemas.microsoft.com/office/drawing/2014/main" id="{341895CD-8EAC-2800-110A-B9633D8E15BD}"/>
+                <a16:creationId xmlns:a16="http://schemas.microsoft.com/office/drawing/2014/main" id="{2B9A8847-CC14-552C-BF4D-00724A71F34E}"/>
               </a:ext>
             </a:extLst>
           </p:cNvPr>
@@ -642,7 +642,7 @@
           <p:cNvPr id="4" name="日期占位符 3">
             <a:extLst>
               <a:ext uri="{FF2B5EF4-FFF2-40B4-BE49-F238E27FC236}">
-                <a16:creationId xmlns:a16="http://schemas.microsoft.com/office/drawing/2014/main" id="{5410073F-024E-25A7-741B-E3B887A5E8BE}"/>
+                <a16:creationId xmlns:a16="http://schemas.microsoft.com/office/drawing/2014/main" id="{3438EC63-C90F-C317-2814-F7C7515EB31C}"/>
               </a:ext>
             </a:extLst>
           </p:cNvPr>
@@ -658,7 +658,7 @@
           <a:bodyPr/>
           <a:lstStyle/>
           <a:p>
-            <a:fld id="{FDEAFDDA-5C8F-4333-9C70-7B93AE2917FA}" type="datetimeFigureOut">
+            <a:fld id="{68317E03-F78B-457C-BFC9-92977FC20F5F}" type="datetimeFigureOut">
               <a:rPr lang="zh-CN" altLang="en-US" smtClean="0"/>
               <a:t>2024/3/10</a:t>
             </a:fld>
@@ -671,7 +671,7 @@
           <p:cNvPr id="5" name="页脚占位符 4">
             <a:extLst>
               <a:ext uri="{FF2B5EF4-FFF2-40B4-BE49-F238E27FC236}">
-                <a16:creationId xmlns:a16="http://schemas.microsoft.com/office/drawing/2014/main" id="{535B80E8-5A4F-2FBF-B5E5-1152FA644F91}"/>
+                <a16:creationId xmlns:a16="http://schemas.microsoft.com/office/drawing/2014/main" id="{FA05545D-8A0D-1603-6957-2B318063D013}"/>
               </a:ext>
             </a:extLst>
           </p:cNvPr>
@@ -696,7 +696,7 @@
           <p:cNvPr id="6" name="灯片编号占位符 5">
             <a:extLst>
               <a:ext uri="{FF2B5EF4-FFF2-40B4-BE49-F238E27FC236}">
-                <a16:creationId xmlns:a16="http://schemas.microsoft.com/office/drawing/2014/main" id="{2D20D023-6233-0328-672A-7C03122D7D01}"/>
+                <a16:creationId xmlns:a16="http://schemas.microsoft.com/office/drawing/2014/main" id="{786B4128-EDAE-D151-83CD-E2950C513B40}"/>
               </a:ext>
             </a:extLst>
           </p:cNvPr>
@@ -712,7 +712,7 @@
           <a:bodyPr/>
           <a:lstStyle/>
           <a:p>
-            <a:fld id="{BE1D4F38-828E-4C6F-B23A-4AEC0804BC57}" type="slidenum">
+            <a:fld id="{6879EB1D-E8EE-4D94-AA10-1951781792A6}" type="slidenum">
               <a:rPr lang="zh-CN" altLang="en-US" smtClean="0"/>
               <a:t>‹#›</a:t>
             </a:fld>
@@ -723,7 +723,7 @@
     </p:spTree>
     <p:extLst>
       <p:ext uri="{BB962C8B-B14F-4D97-AF65-F5344CB8AC3E}">
-        <p14:creationId xmlns:p14="http://schemas.microsoft.com/office/powerpoint/2010/main" val="904080075"/>
+        <p14:creationId xmlns:p14="http://schemas.microsoft.com/office/powerpoint/2010/main" val="3693777606"/>
       </p:ext>
     </p:extLst>
   </p:cSld>
@@ -755,7 +755,7 @@
           <p:cNvPr id="2" name="标题 1">
             <a:extLst>
               <a:ext uri="{FF2B5EF4-FFF2-40B4-BE49-F238E27FC236}">
-                <a16:creationId xmlns:a16="http://schemas.microsoft.com/office/drawing/2014/main" id="{70A3EBAB-D73F-018D-FDB2-76D235EBEADD}"/>
+                <a16:creationId xmlns:a16="http://schemas.microsoft.com/office/drawing/2014/main" id="{0E67D451-027A-1414-B2DE-411F55F21458}"/>
               </a:ext>
             </a:extLst>
           </p:cNvPr>
@@ -783,7 +783,7 @@
           <p:cNvPr id="3" name="内容占位符 2">
             <a:extLst>
               <a:ext uri="{FF2B5EF4-FFF2-40B4-BE49-F238E27FC236}">
-                <a16:creationId xmlns:a16="http://schemas.microsoft.com/office/drawing/2014/main" id="{2759E31A-EF78-5E96-4CFA-772224EDEBB0}"/>
+                <a16:creationId xmlns:a16="http://schemas.microsoft.com/office/drawing/2014/main" id="{F5BC8A10-0923-D3C7-3B90-C91258FADEF2}"/>
               </a:ext>
             </a:extLst>
           </p:cNvPr>
@@ -840,7 +840,7 @@
           <p:cNvPr id="4" name="日期占位符 3">
             <a:extLst>
               <a:ext uri="{FF2B5EF4-FFF2-40B4-BE49-F238E27FC236}">
-                <a16:creationId xmlns:a16="http://schemas.microsoft.com/office/drawing/2014/main" id="{A03E9D32-3C2B-A033-F6F2-837F4C646368}"/>
+                <a16:creationId xmlns:a16="http://schemas.microsoft.com/office/drawing/2014/main" id="{E9C59161-890C-45C5-F520-F5917D338965}"/>
               </a:ext>
             </a:extLst>
           </p:cNvPr>
@@ -856,7 +856,7 @@
           <a:bodyPr/>
           <a:lstStyle/>
           <a:p>
-            <a:fld id="{FDEAFDDA-5C8F-4333-9C70-7B93AE2917FA}" type="datetimeFigureOut">
+            <a:fld id="{68317E03-F78B-457C-BFC9-92977FC20F5F}" type="datetimeFigureOut">
               <a:rPr lang="zh-CN" altLang="en-US" smtClean="0"/>
               <a:t>2024/3/10</a:t>
             </a:fld>
@@ -869,7 +869,7 @@
           <p:cNvPr id="5" name="页脚占位符 4">
             <a:extLst>
               <a:ext uri="{FF2B5EF4-FFF2-40B4-BE49-F238E27FC236}">
-                <a16:creationId xmlns:a16="http://schemas.microsoft.com/office/drawing/2014/main" id="{9936154F-9B3A-E117-6721-C343055877FA}"/>
+                <a16:creationId xmlns:a16="http://schemas.microsoft.com/office/drawing/2014/main" id="{5C31761A-0AE4-5B8F-5C17-FE15342F2203}"/>
               </a:ext>
             </a:extLst>
           </p:cNvPr>
@@ -894,7 +894,7 @@
           <p:cNvPr id="6" name="灯片编号占位符 5">
             <a:extLst>
               <a:ext uri="{FF2B5EF4-FFF2-40B4-BE49-F238E27FC236}">
-                <a16:creationId xmlns:a16="http://schemas.microsoft.com/office/drawing/2014/main" id="{97E765BA-5A22-0D94-12F9-EC0EC6C5F453}"/>
+                <a16:creationId xmlns:a16="http://schemas.microsoft.com/office/drawing/2014/main" id="{014D0E9E-C7DD-3D1F-FB14-AA852D7D7B88}"/>
               </a:ext>
             </a:extLst>
           </p:cNvPr>
@@ -910,7 +910,7 @@
           <a:bodyPr/>
           <a:lstStyle/>
           <a:p>
-            <a:fld id="{BE1D4F38-828E-4C6F-B23A-4AEC0804BC57}" type="slidenum">
+            <a:fld id="{6879EB1D-E8EE-4D94-AA10-1951781792A6}" type="slidenum">
               <a:rPr lang="zh-CN" altLang="en-US" smtClean="0"/>
               <a:t>‹#›</a:t>
             </a:fld>
@@ -921,7 +921,7 @@
     </p:spTree>
     <p:extLst>
       <p:ext uri="{BB962C8B-B14F-4D97-AF65-F5344CB8AC3E}">
-        <p14:creationId xmlns:p14="http://schemas.microsoft.com/office/powerpoint/2010/main" val="2947762489"/>
+        <p14:creationId xmlns:p14="http://schemas.microsoft.com/office/powerpoint/2010/main" val="2279445811"/>
       </p:ext>
     </p:extLst>
   </p:cSld>
@@ -953,7 +953,7 @@
           <p:cNvPr id="2" name="标题 1">
             <a:extLst>
               <a:ext uri="{FF2B5EF4-FFF2-40B4-BE49-F238E27FC236}">
-                <a16:creationId xmlns:a16="http://schemas.microsoft.com/office/drawing/2014/main" id="{C9D32129-4476-7EA2-C300-37297963E858}"/>
+                <a16:creationId xmlns:a16="http://schemas.microsoft.com/office/drawing/2014/main" id="{4B7E6C86-A618-D9F3-FDC2-6D1CA9BB95D3}"/>
               </a:ext>
             </a:extLst>
           </p:cNvPr>
@@ -990,7 +990,7 @@
           <p:cNvPr id="3" name="文本占位符 2">
             <a:extLst>
               <a:ext uri="{FF2B5EF4-FFF2-40B4-BE49-F238E27FC236}">
-                <a16:creationId xmlns:a16="http://schemas.microsoft.com/office/drawing/2014/main" id="{0EAC6E9C-175A-A4F3-FF51-8A7A3347A74C}"/>
+                <a16:creationId xmlns:a16="http://schemas.microsoft.com/office/drawing/2014/main" id="{ED7A2072-97C7-6167-DA04-7FD8D3178191}"/>
               </a:ext>
             </a:extLst>
           </p:cNvPr>
@@ -1115,7 +1115,7 @@
           <p:cNvPr id="4" name="日期占位符 3">
             <a:extLst>
               <a:ext uri="{FF2B5EF4-FFF2-40B4-BE49-F238E27FC236}">
-                <a16:creationId xmlns:a16="http://schemas.microsoft.com/office/drawing/2014/main" id="{D38D7BE2-47F0-2371-7C9E-91B508F010B7}"/>
+                <a16:creationId xmlns:a16="http://schemas.microsoft.com/office/drawing/2014/main" id="{54D6E396-F265-C64C-1537-1724FA42B403}"/>
               </a:ext>
             </a:extLst>
           </p:cNvPr>
@@ -1131,7 +1131,7 @@
           <a:bodyPr/>
           <a:lstStyle/>
           <a:p>
-            <a:fld id="{FDEAFDDA-5C8F-4333-9C70-7B93AE2917FA}" type="datetimeFigureOut">
+            <a:fld id="{68317E03-F78B-457C-BFC9-92977FC20F5F}" type="datetimeFigureOut">
               <a:rPr lang="zh-CN" altLang="en-US" smtClean="0"/>
               <a:t>2024/3/10</a:t>
             </a:fld>
@@ -1144,7 +1144,7 @@
           <p:cNvPr id="5" name="页脚占位符 4">
             <a:extLst>
               <a:ext uri="{FF2B5EF4-FFF2-40B4-BE49-F238E27FC236}">
-                <a16:creationId xmlns:a16="http://schemas.microsoft.com/office/drawing/2014/main" id="{3CF7B5B0-DC33-77F1-7907-E194B9746B47}"/>
+                <a16:creationId xmlns:a16="http://schemas.microsoft.com/office/drawing/2014/main" id="{AB224F1D-57EC-7EDB-0532-A9073047BD65}"/>
               </a:ext>
             </a:extLst>
           </p:cNvPr>
@@ -1169,7 +1169,7 @@
           <p:cNvPr id="6" name="灯片编号占位符 5">
             <a:extLst>
               <a:ext uri="{FF2B5EF4-FFF2-40B4-BE49-F238E27FC236}">
-                <a16:creationId xmlns:a16="http://schemas.microsoft.com/office/drawing/2014/main" id="{357D85EC-1EDA-4805-E0A0-197D1E7FA819}"/>
+                <a16:creationId xmlns:a16="http://schemas.microsoft.com/office/drawing/2014/main" id="{FE961650-2C64-E185-A00F-FEE2E160F9B8}"/>
               </a:ext>
             </a:extLst>
           </p:cNvPr>
@@ -1185,7 +1185,7 @@
           <a:bodyPr/>
           <a:lstStyle/>
           <a:p>
-            <a:fld id="{BE1D4F38-828E-4C6F-B23A-4AEC0804BC57}" type="slidenum">
+            <a:fld id="{6879EB1D-E8EE-4D94-AA10-1951781792A6}" type="slidenum">
               <a:rPr lang="zh-CN" altLang="en-US" smtClean="0"/>
               <a:t>‹#›</a:t>
             </a:fld>
@@ -1196,7 +1196,7 @@
     </p:spTree>
     <p:extLst>
       <p:ext uri="{BB962C8B-B14F-4D97-AF65-F5344CB8AC3E}">
-        <p14:creationId xmlns:p14="http://schemas.microsoft.com/office/powerpoint/2010/main" val="1654675298"/>
+        <p14:creationId xmlns:p14="http://schemas.microsoft.com/office/powerpoint/2010/main" val="948690735"/>
       </p:ext>
     </p:extLst>
   </p:cSld>
@@ -1228,7 +1228,7 @@
           <p:cNvPr id="2" name="标题 1">
             <a:extLst>
               <a:ext uri="{FF2B5EF4-FFF2-40B4-BE49-F238E27FC236}">
-                <a16:creationId xmlns:a16="http://schemas.microsoft.com/office/drawing/2014/main" id="{A27ADE85-9F90-7438-05BC-0A481EC37FA0}"/>
+                <a16:creationId xmlns:a16="http://schemas.microsoft.com/office/drawing/2014/main" id="{46D54EDB-DA00-5CCE-4E3B-F6F6CD086C63}"/>
               </a:ext>
             </a:extLst>
           </p:cNvPr>
@@ -1256,7 +1256,7 @@
           <p:cNvPr id="3" name="内容占位符 2">
             <a:extLst>
               <a:ext uri="{FF2B5EF4-FFF2-40B4-BE49-F238E27FC236}">
-                <a16:creationId xmlns:a16="http://schemas.microsoft.com/office/drawing/2014/main" id="{632816AE-9E5E-60DB-EC60-ED88671A75CB}"/>
+                <a16:creationId xmlns:a16="http://schemas.microsoft.com/office/drawing/2014/main" id="{EA99B4A3-7515-9E1A-6630-1B94A60A9C43}"/>
               </a:ext>
             </a:extLst>
           </p:cNvPr>
@@ -1318,7 +1318,7 @@
           <p:cNvPr id="4" name="内容占位符 3">
             <a:extLst>
               <a:ext uri="{FF2B5EF4-FFF2-40B4-BE49-F238E27FC236}">
-                <a16:creationId xmlns:a16="http://schemas.microsoft.com/office/drawing/2014/main" id="{4B0F4A70-6BE6-C67B-CE7F-6B4D0C04CC15}"/>
+                <a16:creationId xmlns:a16="http://schemas.microsoft.com/office/drawing/2014/main" id="{ABBA2B79-7B1D-ECCA-D32C-F016FA0C9F40}"/>
               </a:ext>
             </a:extLst>
           </p:cNvPr>
@@ -1380,7 +1380,7 @@
           <p:cNvPr id="5" name="日期占位符 4">
             <a:extLst>
               <a:ext uri="{FF2B5EF4-FFF2-40B4-BE49-F238E27FC236}">
-                <a16:creationId xmlns:a16="http://schemas.microsoft.com/office/drawing/2014/main" id="{9494C9C9-DE17-EC6F-98AB-D37F866A944B}"/>
+                <a16:creationId xmlns:a16="http://schemas.microsoft.com/office/drawing/2014/main" id="{CD7A9FD5-F406-2881-E761-C9B86C783BEB}"/>
               </a:ext>
             </a:extLst>
           </p:cNvPr>
@@ -1396,7 +1396,7 @@
           <a:bodyPr/>
           <a:lstStyle/>
           <a:p>
-            <a:fld id="{FDEAFDDA-5C8F-4333-9C70-7B93AE2917FA}" type="datetimeFigureOut">
+            <a:fld id="{68317E03-F78B-457C-BFC9-92977FC20F5F}" type="datetimeFigureOut">
               <a:rPr lang="zh-CN" altLang="en-US" smtClean="0"/>
               <a:t>2024/3/10</a:t>
             </a:fld>
@@ -1409,7 +1409,7 @@
           <p:cNvPr id="6" name="页脚占位符 5">
             <a:extLst>
               <a:ext uri="{FF2B5EF4-FFF2-40B4-BE49-F238E27FC236}">
-                <a16:creationId xmlns:a16="http://schemas.microsoft.com/office/drawing/2014/main" id="{2A8CDA96-2407-AC9E-DD6C-E7DE937E43BE}"/>
+                <a16:creationId xmlns:a16="http://schemas.microsoft.com/office/drawing/2014/main" id="{85852C70-6C14-5EA5-69AF-818B968F406D}"/>
               </a:ext>
             </a:extLst>
           </p:cNvPr>
@@ -1434,7 +1434,7 @@
           <p:cNvPr id="7" name="灯片编号占位符 6">
             <a:extLst>
               <a:ext uri="{FF2B5EF4-FFF2-40B4-BE49-F238E27FC236}">
-                <a16:creationId xmlns:a16="http://schemas.microsoft.com/office/drawing/2014/main" id="{2A6D87AF-05FF-88F9-A869-07DA3302BCF7}"/>
+                <a16:creationId xmlns:a16="http://schemas.microsoft.com/office/drawing/2014/main" id="{7E68AC75-1A36-54D6-8643-DF555C14BD96}"/>
               </a:ext>
             </a:extLst>
           </p:cNvPr>
@@ -1450,7 +1450,7 @@
           <a:bodyPr/>
           <a:lstStyle/>
           <a:p>
-            <a:fld id="{BE1D4F38-828E-4C6F-B23A-4AEC0804BC57}" type="slidenum">
+            <a:fld id="{6879EB1D-E8EE-4D94-AA10-1951781792A6}" type="slidenum">
               <a:rPr lang="zh-CN" altLang="en-US" smtClean="0"/>
               <a:t>‹#›</a:t>
             </a:fld>
@@ -1461,7 +1461,7 @@
     </p:spTree>
     <p:extLst>
       <p:ext uri="{BB962C8B-B14F-4D97-AF65-F5344CB8AC3E}">
-        <p14:creationId xmlns:p14="http://schemas.microsoft.com/office/powerpoint/2010/main" val="2978582119"/>
+        <p14:creationId xmlns:p14="http://schemas.microsoft.com/office/powerpoint/2010/main" val="2440247476"/>
       </p:ext>
     </p:extLst>
   </p:cSld>
@@ -1493,7 +1493,7 @@
           <p:cNvPr id="2" name="标题 1">
             <a:extLst>
               <a:ext uri="{FF2B5EF4-FFF2-40B4-BE49-F238E27FC236}">
-                <a16:creationId xmlns:a16="http://schemas.microsoft.com/office/drawing/2014/main" id="{852F37F0-B5D0-72AD-8902-45A97587E7B7}"/>
+                <a16:creationId xmlns:a16="http://schemas.microsoft.com/office/drawing/2014/main" id="{7C241A05-4FD9-1159-27C8-E183EF4ADA7A}"/>
               </a:ext>
             </a:extLst>
           </p:cNvPr>
@@ -1526,7 +1526,7 @@
           <p:cNvPr id="3" name="文本占位符 2">
             <a:extLst>
               <a:ext uri="{FF2B5EF4-FFF2-40B4-BE49-F238E27FC236}">
-                <a16:creationId xmlns:a16="http://schemas.microsoft.com/office/drawing/2014/main" id="{E4DD21AE-60BE-7509-53BF-D1C99869A605}"/>
+                <a16:creationId xmlns:a16="http://schemas.microsoft.com/office/drawing/2014/main" id="{F869E84D-9302-45FD-99E1-DA3F5A7070E9}"/>
               </a:ext>
             </a:extLst>
           </p:cNvPr>
@@ -1597,7 +1597,7 @@
           <p:cNvPr id="4" name="内容占位符 3">
             <a:extLst>
               <a:ext uri="{FF2B5EF4-FFF2-40B4-BE49-F238E27FC236}">
-                <a16:creationId xmlns:a16="http://schemas.microsoft.com/office/drawing/2014/main" id="{F3C70958-FD49-EC35-757B-24EA76D37FE4}"/>
+                <a16:creationId xmlns:a16="http://schemas.microsoft.com/office/drawing/2014/main" id="{B189CEB6-3296-ED0F-12A0-7F2B44D9C88E}"/>
               </a:ext>
             </a:extLst>
           </p:cNvPr>
@@ -1659,7 +1659,7 @@
           <p:cNvPr id="5" name="文本占位符 4">
             <a:extLst>
               <a:ext uri="{FF2B5EF4-FFF2-40B4-BE49-F238E27FC236}">
-                <a16:creationId xmlns:a16="http://schemas.microsoft.com/office/drawing/2014/main" id="{3997FD5E-276A-7179-09EA-CED6E76E9E45}"/>
+                <a16:creationId xmlns:a16="http://schemas.microsoft.com/office/drawing/2014/main" id="{3CE328D5-1575-7A84-8248-63E2B663E29C}"/>
               </a:ext>
             </a:extLst>
           </p:cNvPr>
@@ -1730,7 +1730,7 @@
           <p:cNvPr id="6" name="内容占位符 5">
             <a:extLst>
               <a:ext uri="{FF2B5EF4-FFF2-40B4-BE49-F238E27FC236}">
-                <a16:creationId xmlns:a16="http://schemas.microsoft.com/office/drawing/2014/main" id="{2931EA0F-EDB5-4ECE-6E30-24EBCB0B3F5E}"/>
+                <a16:creationId xmlns:a16="http://schemas.microsoft.com/office/drawing/2014/main" id="{5191FC12-789D-FAC3-EFBB-6AE62D2C11C2}"/>
               </a:ext>
             </a:extLst>
           </p:cNvPr>
@@ -1792,7 +1792,7 @@
           <p:cNvPr id="7" name="日期占位符 6">
             <a:extLst>
               <a:ext uri="{FF2B5EF4-FFF2-40B4-BE49-F238E27FC236}">
-                <a16:creationId xmlns:a16="http://schemas.microsoft.com/office/drawing/2014/main" id="{F037A56F-3575-13CD-AAFF-8E83D9CD5648}"/>
+                <a16:creationId xmlns:a16="http://schemas.microsoft.com/office/drawing/2014/main" id="{CA6BB64E-7D66-1FB7-D1AF-29C917F8C120}"/>
               </a:ext>
             </a:extLst>
           </p:cNvPr>
@@ -1808,7 +1808,7 @@
           <a:bodyPr/>
           <a:lstStyle/>
           <a:p>
-            <a:fld id="{FDEAFDDA-5C8F-4333-9C70-7B93AE2917FA}" type="datetimeFigureOut">
+            <a:fld id="{68317E03-F78B-457C-BFC9-92977FC20F5F}" type="datetimeFigureOut">
               <a:rPr lang="zh-CN" altLang="en-US" smtClean="0"/>
               <a:t>2024/3/10</a:t>
             </a:fld>
@@ -1821,7 +1821,7 @@
           <p:cNvPr id="8" name="页脚占位符 7">
             <a:extLst>
               <a:ext uri="{FF2B5EF4-FFF2-40B4-BE49-F238E27FC236}">
-                <a16:creationId xmlns:a16="http://schemas.microsoft.com/office/drawing/2014/main" id="{CFA25DB1-C596-36C6-BF8F-494918CEF369}"/>
+                <a16:creationId xmlns:a16="http://schemas.microsoft.com/office/drawing/2014/main" id="{6C1ED3A7-16ED-8A34-FBBC-5955A615B582}"/>
               </a:ext>
             </a:extLst>
           </p:cNvPr>
@@ -1846,7 +1846,7 @@
           <p:cNvPr id="9" name="灯片编号占位符 8">
             <a:extLst>
               <a:ext uri="{FF2B5EF4-FFF2-40B4-BE49-F238E27FC236}">
-                <a16:creationId xmlns:a16="http://schemas.microsoft.com/office/drawing/2014/main" id="{307EF513-9B47-CE17-0C48-2064349143BE}"/>
+                <a16:creationId xmlns:a16="http://schemas.microsoft.com/office/drawing/2014/main" id="{CEE2D955-33A2-0A82-22B5-65B883052113}"/>
               </a:ext>
             </a:extLst>
           </p:cNvPr>
@@ -1862,7 +1862,7 @@
           <a:bodyPr/>
           <a:lstStyle/>
           <a:p>
-            <a:fld id="{BE1D4F38-828E-4C6F-B23A-4AEC0804BC57}" type="slidenum">
+            <a:fld id="{6879EB1D-E8EE-4D94-AA10-1951781792A6}" type="slidenum">
               <a:rPr lang="zh-CN" altLang="en-US" smtClean="0"/>
               <a:t>‹#›</a:t>
             </a:fld>
@@ -1873,7 +1873,7 @@
     </p:spTree>
     <p:extLst>
       <p:ext uri="{BB962C8B-B14F-4D97-AF65-F5344CB8AC3E}">
-        <p14:creationId xmlns:p14="http://schemas.microsoft.com/office/powerpoint/2010/main" val="388229241"/>
+        <p14:creationId xmlns:p14="http://schemas.microsoft.com/office/powerpoint/2010/main" val="4016409102"/>
       </p:ext>
     </p:extLst>
   </p:cSld>
@@ -1905,7 +1905,7 @@
           <p:cNvPr id="2" name="标题 1">
             <a:extLst>
               <a:ext uri="{FF2B5EF4-FFF2-40B4-BE49-F238E27FC236}">
-                <a16:creationId xmlns:a16="http://schemas.microsoft.com/office/drawing/2014/main" id="{C138326D-629A-8066-E619-0FCF755BBBCF}"/>
+                <a16:creationId xmlns:a16="http://schemas.microsoft.com/office/drawing/2014/main" id="{34314314-F4EA-E531-378A-A112A57540F7}"/>
               </a:ext>
             </a:extLst>
           </p:cNvPr>
@@ -1933,7 +1933,7 @@
           <p:cNvPr id="3" name="日期占位符 2">
             <a:extLst>
               <a:ext uri="{FF2B5EF4-FFF2-40B4-BE49-F238E27FC236}">
-                <a16:creationId xmlns:a16="http://schemas.microsoft.com/office/drawing/2014/main" id="{D6727637-48C8-EAA4-005C-C44C988F1FCC}"/>
+                <a16:creationId xmlns:a16="http://schemas.microsoft.com/office/drawing/2014/main" id="{34A5CBE9-CCBB-943C-527E-E160D310FF35}"/>
               </a:ext>
             </a:extLst>
           </p:cNvPr>
@@ -1949,7 +1949,7 @@
           <a:bodyPr/>
           <a:lstStyle/>
           <a:p>
-            <a:fld id="{FDEAFDDA-5C8F-4333-9C70-7B93AE2917FA}" type="datetimeFigureOut">
+            <a:fld id="{68317E03-F78B-457C-BFC9-92977FC20F5F}" type="datetimeFigureOut">
               <a:rPr lang="zh-CN" altLang="en-US" smtClean="0"/>
               <a:t>2024/3/10</a:t>
             </a:fld>
@@ -1962,7 +1962,7 @@
           <p:cNvPr id="4" name="页脚占位符 3">
             <a:extLst>
               <a:ext uri="{FF2B5EF4-FFF2-40B4-BE49-F238E27FC236}">
-                <a16:creationId xmlns:a16="http://schemas.microsoft.com/office/drawing/2014/main" id="{6B089A0B-AC6E-2D51-2EA8-BDDDAB289B6F}"/>
+                <a16:creationId xmlns:a16="http://schemas.microsoft.com/office/drawing/2014/main" id="{BE40D691-B39B-CC63-82B1-A2826F2C04BA}"/>
               </a:ext>
             </a:extLst>
           </p:cNvPr>
@@ -1987,7 +1987,7 @@
           <p:cNvPr id="5" name="灯片编号占位符 4">
             <a:extLst>
               <a:ext uri="{FF2B5EF4-FFF2-40B4-BE49-F238E27FC236}">
-                <a16:creationId xmlns:a16="http://schemas.microsoft.com/office/drawing/2014/main" id="{3B49B36C-0779-0779-EACD-743AC15E710B}"/>
+                <a16:creationId xmlns:a16="http://schemas.microsoft.com/office/drawing/2014/main" id="{2416B47E-B81B-E25A-2BE5-B44A07089A42}"/>
               </a:ext>
             </a:extLst>
           </p:cNvPr>
@@ -2003,7 +2003,7 @@
           <a:bodyPr/>
           <a:lstStyle/>
           <a:p>
-            <a:fld id="{BE1D4F38-828E-4C6F-B23A-4AEC0804BC57}" type="slidenum">
+            <a:fld id="{6879EB1D-E8EE-4D94-AA10-1951781792A6}" type="slidenum">
               <a:rPr lang="zh-CN" altLang="en-US" smtClean="0"/>
               <a:t>‹#›</a:t>
             </a:fld>
@@ -2014,7 +2014,7 @@
     </p:spTree>
     <p:extLst>
       <p:ext uri="{BB962C8B-B14F-4D97-AF65-F5344CB8AC3E}">
-        <p14:creationId xmlns:p14="http://schemas.microsoft.com/office/powerpoint/2010/main" val="440048088"/>
+        <p14:creationId xmlns:p14="http://schemas.microsoft.com/office/powerpoint/2010/main" val="23061748"/>
       </p:ext>
     </p:extLst>
   </p:cSld>
@@ -2046,7 +2046,7 @@
           <p:cNvPr id="2" name="日期占位符 1">
             <a:extLst>
               <a:ext uri="{FF2B5EF4-FFF2-40B4-BE49-F238E27FC236}">
-                <a16:creationId xmlns:a16="http://schemas.microsoft.com/office/drawing/2014/main" id="{A4E8CB3F-A5F8-E899-7BAA-B114FEDBC5EF}"/>
+                <a16:creationId xmlns:a16="http://schemas.microsoft.com/office/drawing/2014/main" id="{8316E92F-AEC5-FB9E-AC90-64B3F7494D58}"/>
               </a:ext>
             </a:extLst>
           </p:cNvPr>
@@ -2062,7 +2062,7 @@
           <a:bodyPr/>
           <a:lstStyle/>
           <a:p>
-            <a:fld id="{FDEAFDDA-5C8F-4333-9C70-7B93AE2917FA}" type="datetimeFigureOut">
+            <a:fld id="{68317E03-F78B-457C-BFC9-92977FC20F5F}" type="datetimeFigureOut">
               <a:rPr lang="zh-CN" altLang="en-US" smtClean="0"/>
               <a:t>2024/3/10</a:t>
             </a:fld>
@@ -2075,7 +2075,7 @@
           <p:cNvPr id="3" name="页脚占位符 2">
             <a:extLst>
               <a:ext uri="{FF2B5EF4-FFF2-40B4-BE49-F238E27FC236}">
-                <a16:creationId xmlns:a16="http://schemas.microsoft.com/office/drawing/2014/main" id="{0E088766-5129-F2D0-808E-E0B4B437B873}"/>
+                <a16:creationId xmlns:a16="http://schemas.microsoft.com/office/drawing/2014/main" id="{AA785AA7-A89C-EDF1-B857-D7BE3C0CA598}"/>
               </a:ext>
             </a:extLst>
           </p:cNvPr>
@@ -2100,7 +2100,7 @@
           <p:cNvPr id="4" name="灯片编号占位符 3">
             <a:extLst>
               <a:ext uri="{FF2B5EF4-FFF2-40B4-BE49-F238E27FC236}">
-                <a16:creationId xmlns:a16="http://schemas.microsoft.com/office/drawing/2014/main" id="{CEF506CC-1850-EDAE-1A52-A848860881EC}"/>
+                <a16:creationId xmlns:a16="http://schemas.microsoft.com/office/drawing/2014/main" id="{FF45F018-F513-09D9-E908-80318DCDD6AE}"/>
               </a:ext>
             </a:extLst>
           </p:cNvPr>
@@ -2116,7 +2116,7 @@
           <a:bodyPr/>
           <a:lstStyle/>
           <a:p>
-            <a:fld id="{BE1D4F38-828E-4C6F-B23A-4AEC0804BC57}" type="slidenum">
+            <a:fld id="{6879EB1D-E8EE-4D94-AA10-1951781792A6}" type="slidenum">
               <a:rPr lang="zh-CN" altLang="en-US" smtClean="0"/>
               <a:t>‹#›</a:t>
             </a:fld>
@@ -2127,7 +2127,7 @@
     </p:spTree>
     <p:extLst>
       <p:ext uri="{BB962C8B-B14F-4D97-AF65-F5344CB8AC3E}">
-        <p14:creationId xmlns:p14="http://schemas.microsoft.com/office/powerpoint/2010/main" val="3878496986"/>
+        <p14:creationId xmlns:p14="http://schemas.microsoft.com/office/powerpoint/2010/main" val="2676316393"/>
       </p:ext>
     </p:extLst>
   </p:cSld>
@@ -2159,7 +2159,7 @@
           <p:cNvPr id="2" name="标题 1">
             <a:extLst>
               <a:ext uri="{FF2B5EF4-FFF2-40B4-BE49-F238E27FC236}">
-                <a16:creationId xmlns:a16="http://schemas.microsoft.com/office/drawing/2014/main" id="{37DF481F-6D86-DC76-F1C5-149F31AE87CB}"/>
+                <a16:creationId xmlns:a16="http://schemas.microsoft.com/office/drawing/2014/main" id="{5831CEA8-7F6F-1ECE-183D-6AA6E8E94171}"/>
               </a:ext>
             </a:extLst>
           </p:cNvPr>
@@ -2196,7 +2196,7 @@
           <p:cNvPr id="3" name="内容占位符 2">
             <a:extLst>
               <a:ext uri="{FF2B5EF4-FFF2-40B4-BE49-F238E27FC236}">
-                <a16:creationId xmlns:a16="http://schemas.microsoft.com/office/drawing/2014/main" id="{7240CCF7-D3B6-D17A-3002-C7F7DDD610D6}"/>
+                <a16:creationId xmlns:a16="http://schemas.microsoft.com/office/drawing/2014/main" id="{FF78A271-5FED-7784-8A8A-2FCBA3507A05}"/>
               </a:ext>
             </a:extLst>
           </p:cNvPr>
@@ -2286,7 +2286,7 @@
           <p:cNvPr id="4" name="文本占位符 3">
             <a:extLst>
               <a:ext uri="{FF2B5EF4-FFF2-40B4-BE49-F238E27FC236}">
-                <a16:creationId xmlns:a16="http://schemas.microsoft.com/office/drawing/2014/main" id="{E56495A6-7B6A-95B3-289E-A9B881F578F5}"/>
+                <a16:creationId xmlns:a16="http://schemas.microsoft.com/office/drawing/2014/main" id="{6124749C-E0D4-464E-4D1C-CCE075CF25CF}"/>
               </a:ext>
             </a:extLst>
           </p:cNvPr>
@@ -2357,7 +2357,7 @@
           <p:cNvPr id="5" name="日期占位符 4">
             <a:extLst>
               <a:ext uri="{FF2B5EF4-FFF2-40B4-BE49-F238E27FC236}">
-                <a16:creationId xmlns:a16="http://schemas.microsoft.com/office/drawing/2014/main" id="{CDDEC236-417F-8387-1F81-9655F5E91393}"/>
+                <a16:creationId xmlns:a16="http://schemas.microsoft.com/office/drawing/2014/main" id="{98AACBE6-8313-747A-6E75-4C6C9712AF01}"/>
               </a:ext>
             </a:extLst>
           </p:cNvPr>
@@ -2373,7 +2373,7 @@
           <a:bodyPr/>
           <a:lstStyle/>
           <a:p>
-            <a:fld id="{FDEAFDDA-5C8F-4333-9C70-7B93AE2917FA}" type="datetimeFigureOut">
+            <a:fld id="{68317E03-F78B-457C-BFC9-92977FC20F5F}" type="datetimeFigureOut">
               <a:rPr lang="zh-CN" altLang="en-US" smtClean="0"/>
               <a:t>2024/3/10</a:t>
             </a:fld>
@@ -2386,7 +2386,7 @@
           <p:cNvPr id="6" name="页脚占位符 5">
             <a:extLst>
               <a:ext uri="{FF2B5EF4-FFF2-40B4-BE49-F238E27FC236}">
-                <a16:creationId xmlns:a16="http://schemas.microsoft.com/office/drawing/2014/main" id="{FB926F93-9FF0-A450-AC26-039A8FD386F9}"/>
+                <a16:creationId xmlns:a16="http://schemas.microsoft.com/office/drawing/2014/main" id="{906E5267-6384-BF06-D3FF-A309CC9748F8}"/>
               </a:ext>
             </a:extLst>
           </p:cNvPr>
@@ -2411,7 +2411,7 @@
           <p:cNvPr id="7" name="灯片编号占位符 6">
             <a:extLst>
               <a:ext uri="{FF2B5EF4-FFF2-40B4-BE49-F238E27FC236}">
-                <a16:creationId xmlns:a16="http://schemas.microsoft.com/office/drawing/2014/main" id="{B9C41B3D-7F6A-CBAC-9A5B-869E8630D84B}"/>
+                <a16:creationId xmlns:a16="http://schemas.microsoft.com/office/drawing/2014/main" id="{6D9F86BA-FD87-F17C-72DD-73E18BCED282}"/>
               </a:ext>
             </a:extLst>
           </p:cNvPr>
@@ -2427,7 +2427,7 @@
           <a:bodyPr/>
           <a:lstStyle/>
           <a:p>
-            <a:fld id="{BE1D4F38-828E-4C6F-B23A-4AEC0804BC57}" type="slidenum">
+            <a:fld id="{6879EB1D-E8EE-4D94-AA10-1951781792A6}" type="slidenum">
               <a:rPr lang="zh-CN" altLang="en-US" smtClean="0"/>
               <a:t>‹#›</a:t>
             </a:fld>
@@ -2438,7 +2438,7 @@
     </p:spTree>
     <p:extLst>
       <p:ext uri="{BB962C8B-B14F-4D97-AF65-F5344CB8AC3E}">
-        <p14:creationId xmlns:p14="http://schemas.microsoft.com/office/powerpoint/2010/main" val="2121278753"/>
+        <p14:creationId xmlns:p14="http://schemas.microsoft.com/office/powerpoint/2010/main" val="3288021963"/>
       </p:ext>
     </p:extLst>
   </p:cSld>
@@ -2470,7 +2470,7 @@
           <p:cNvPr id="2" name="标题 1">
             <a:extLst>
               <a:ext uri="{FF2B5EF4-FFF2-40B4-BE49-F238E27FC236}">
-                <a16:creationId xmlns:a16="http://schemas.microsoft.com/office/drawing/2014/main" id="{BCE34D19-ADFC-E636-4BE3-91C0148652F3}"/>
+                <a16:creationId xmlns:a16="http://schemas.microsoft.com/office/drawing/2014/main" id="{DE7BE57F-F770-B3C8-3D94-1A5C3C0903E5}"/>
               </a:ext>
             </a:extLst>
           </p:cNvPr>
@@ -2507,7 +2507,7 @@
           <p:cNvPr id="3" name="图片占位符 2">
             <a:extLst>
               <a:ext uri="{FF2B5EF4-FFF2-40B4-BE49-F238E27FC236}">
-                <a16:creationId xmlns:a16="http://schemas.microsoft.com/office/drawing/2014/main" id="{35F44C71-B02A-2401-C80C-D3A7955AA811}"/>
+                <a16:creationId xmlns:a16="http://schemas.microsoft.com/office/drawing/2014/main" id="{AAC9F6E9-6BE9-BDD6-0815-1E5DF74DEA95}"/>
               </a:ext>
             </a:extLst>
           </p:cNvPr>
@@ -2574,7 +2574,7 @@
           <p:cNvPr id="4" name="文本占位符 3">
             <a:extLst>
               <a:ext uri="{FF2B5EF4-FFF2-40B4-BE49-F238E27FC236}">
-                <a16:creationId xmlns:a16="http://schemas.microsoft.com/office/drawing/2014/main" id="{93C8772A-1B04-0914-58B4-D87935A622B3}"/>
+                <a16:creationId xmlns:a16="http://schemas.microsoft.com/office/drawing/2014/main" id="{D0056825-E881-69B1-C86F-9E233367F717}"/>
               </a:ext>
             </a:extLst>
           </p:cNvPr>
@@ -2645,7 +2645,7 @@
           <p:cNvPr id="5" name="日期占位符 4">
             <a:extLst>
               <a:ext uri="{FF2B5EF4-FFF2-40B4-BE49-F238E27FC236}">
-                <a16:creationId xmlns:a16="http://schemas.microsoft.com/office/drawing/2014/main" id="{94002E83-5E8E-0692-A7FC-E40010B8F33B}"/>
+                <a16:creationId xmlns:a16="http://schemas.microsoft.com/office/drawing/2014/main" id="{93BC16B9-135E-812F-C2EA-9BEAB8B28266}"/>
               </a:ext>
             </a:extLst>
           </p:cNvPr>
@@ -2661,7 +2661,7 @@
           <a:bodyPr/>
           <a:lstStyle/>
           <a:p>
-            <a:fld id="{FDEAFDDA-5C8F-4333-9C70-7B93AE2917FA}" type="datetimeFigureOut">
+            <a:fld id="{68317E03-F78B-457C-BFC9-92977FC20F5F}" type="datetimeFigureOut">
               <a:rPr lang="zh-CN" altLang="en-US" smtClean="0"/>
               <a:t>2024/3/10</a:t>
             </a:fld>
@@ -2674,7 +2674,7 @@
           <p:cNvPr id="6" name="页脚占位符 5">
             <a:extLst>
               <a:ext uri="{FF2B5EF4-FFF2-40B4-BE49-F238E27FC236}">
-                <a16:creationId xmlns:a16="http://schemas.microsoft.com/office/drawing/2014/main" id="{479526D5-BE21-242E-AEBF-022CCBA7E7B4}"/>
+                <a16:creationId xmlns:a16="http://schemas.microsoft.com/office/drawing/2014/main" id="{14669987-F408-41CF-93FB-38B6E508B861}"/>
               </a:ext>
             </a:extLst>
           </p:cNvPr>
@@ -2699,7 +2699,7 @@
           <p:cNvPr id="7" name="灯片编号占位符 6">
             <a:extLst>
               <a:ext uri="{FF2B5EF4-FFF2-40B4-BE49-F238E27FC236}">
-                <a16:creationId xmlns:a16="http://schemas.microsoft.com/office/drawing/2014/main" id="{53D8B9B0-A825-D5D0-C3EC-65CC1E54A8D2}"/>
+                <a16:creationId xmlns:a16="http://schemas.microsoft.com/office/drawing/2014/main" id="{2B3F62B0-CB09-6F2A-358E-425C7EC5F2CF}"/>
               </a:ext>
             </a:extLst>
           </p:cNvPr>
@@ -2715,7 +2715,7 @@
           <a:bodyPr/>
           <a:lstStyle/>
           <a:p>
-            <a:fld id="{BE1D4F38-828E-4C6F-B23A-4AEC0804BC57}" type="slidenum">
+            <a:fld id="{6879EB1D-E8EE-4D94-AA10-1951781792A6}" type="slidenum">
               <a:rPr lang="zh-CN" altLang="en-US" smtClean="0"/>
               <a:t>‹#›</a:t>
             </a:fld>
@@ -2726,7 +2726,7 @@
     </p:spTree>
     <p:extLst>
       <p:ext uri="{BB962C8B-B14F-4D97-AF65-F5344CB8AC3E}">
-        <p14:creationId xmlns:p14="http://schemas.microsoft.com/office/powerpoint/2010/main" val="3943538594"/>
+        <p14:creationId xmlns:p14="http://schemas.microsoft.com/office/powerpoint/2010/main" val="3866031542"/>
       </p:ext>
     </p:extLst>
   </p:cSld>
@@ -2763,7 +2763,7 @@
           <p:cNvPr id="2" name="标题占位符 1">
             <a:extLst>
               <a:ext uri="{FF2B5EF4-FFF2-40B4-BE49-F238E27FC236}">
-                <a16:creationId xmlns:a16="http://schemas.microsoft.com/office/drawing/2014/main" id="{D2959671-0EC7-6DA9-2445-73CC569E5CCF}"/>
+                <a16:creationId xmlns:a16="http://schemas.microsoft.com/office/drawing/2014/main" id="{48240571-8E33-DBE0-1457-FE71F364D727}"/>
               </a:ext>
             </a:extLst>
           </p:cNvPr>
@@ -2801,7 +2801,7 @@
           <p:cNvPr id="3" name="文本占位符 2">
             <a:extLst>
               <a:ext uri="{FF2B5EF4-FFF2-40B4-BE49-F238E27FC236}">
-                <a16:creationId xmlns:a16="http://schemas.microsoft.com/office/drawing/2014/main" id="{27AAA3ED-B3A8-69E1-185E-FD065B50A6B9}"/>
+                <a16:creationId xmlns:a16="http://schemas.microsoft.com/office/drawing/2014/main" id="{386308F4-DF51-C4C0-C2EB-69C53D6C06EC}"/>
               </a:ext>
             </a:extLst>
           </p:cNvPr>
@@ -2868,7 +2868,7 @@
           <p:cNvPr id="4" name="日期占位符 3">
             <a:extLst>
               <a:ext uri="{FF2B5EF4-FFF2-40B4-BE49-F238E27FC236}">
-                <a16:creationId xmlns:a16="http://schemas.microsoft.com/office/drawing/2014/main" id="{68044F26-A9AE-2FFC-564F-48EB554EF568}"/>
+                <a16:creationId xmlns:a16="http://schemas.microsoft.com/office/drawing/2014/main" id="{4756E11F-2F91-BE0A-8981-4DA9EAED41CD}"/>
               </a:ext>
             </a:extLst>
           </p:cNvPr>
@@ -2902,7 +2902,7 @@
             </a:lvl1pPr>
           </a:lstStyle>
           <a:p>
-            <a:fld id="{FDEAFDDA-5C8F-4333-9C70-7B93AE2917FA}" type="datetimeFigureOut">
+            <a:fld id="{68317E03-F78B-457C-BFC9-92977FC20F5F}" type="datetimeFigureOut">
               <a:rPr lang="zh-CN" altLang="en-US" smtClean="0"/>
               <a:t>2024/3/10</a:t>
             </a:fld>
@@ -2915,7 +2915,7 @@
           <p:cNvPr id="5" name="页脚占位符 4">
             <a:extLst>
               <a:ext uri="{FF2B5EF4-FFF2-40B4-BE49-F238E27FC236}">
-                <a16:creationId xmlns:a16="http://schemas.microsoft.com/office/drawing/2014/main" id="{D22A9B6C-F932-65A2-9926-B8D3F3D13D11}"/>
+                <a16:creationId xmlns:a16="http://schemas.microsoft.com/office/drawing/2014/main" id="{2DD3DE49-C005-44A2-8E06-CF6178C52264}"/>
               </a:ext>
             </a:extLst>
           </p:cNvPr>
@@ -2958,7 +2958,7 @@
           <p:cNvPr id="6" name="灯片编号占位符 5">
             <a:extLst>
               <a:ext uri="{FF2B5EF4-FFF2-40B4-BE49-F238E27FC236}">
-                <a16:creationId xmlns:a16="http://schemas.microsoft.com/office/drawing/2014/main" id="{60488FB4-5C5E-43E2-94BF-D85E77AD97D3}"/>
+                <a16:creationId xmlns:a16="http://schemas.microsoft.com/office/drawing/2014/main" id="{5559071B-D89A-F971-ABFC-E53ADBA07D9A}"/>
               </a:ext>
             </a:extLst>
           </p:cNvPr>
@@ -2992,7 +2992,7 @@
             </a:lvl1pPr>
           </a:lstStyle>
           <a:p>
-            <a:fld id="{BE1D4F38-828E-4C6F-B23A-4AEC0804BC57}" type="slidenum">
+            <a:fld id="{6879EB1D-E8EE-4D94-AA10-1951781792A6}" type="slidenum">
               <a:rPr lang="zh-CN" altLang="en-US" smtClean="0"/>
               <a:t>‹#›</a:t>
             </a:fld>
@@ -3003,7 +3003,7 @@
     </p:spTree>
     <p:extLst>
       <p:ext uri="{BB962C8B-B14F-4D97-AF65-F5344CB8AC3E}">
-        <p14:creationId xmlns:p14="http://schemas.microsoft.com/office/powerpoint/2010/main" val="2376597125"/>
+        <p14:creationId xmlns:p14="http://schemas.microsoft.com/office/powerpoint/2010/main" val="243501336"/>
       </p:ext>
     </p:extLst>
   </p:cSld>
